--- a/Documentation/DT-Overview-2016.pptx
+++ b/Documentation/DT-Overview-2016.pptx
@@ -247,7 +247,7 @@
           <a:p>
             <a:fld id="{8EA4F35A-7390-454B-9C83-6A707706E675}" type="datetimeFigureOut">
               <a:rPr lang="en-US" smtClean="0"/>
-              <a:t>12/21/2016</a:t>
+              <a:t>7/9/2017</a:t>
             </a:fld>
             <a:endParaRPr lang="en-US"/>
           </a:p>
@@ -1295,29 +1295,6 @@
           <a:bodyPr/>
           <a:lstStyle/>
           <a:p>
-            <a:endParaRPr lang="en-US"/>
-          </a:p>
-        </p:txBody>
-      </p:sp>
-      <p:sp>
-        <p:nvSpPr>
-          <p:cNvPr id="4" name="Footer Placeholder 3"/>
-          <p:cNvSpPr>
-            <a:spLocks noGrp="1"/>
-          </p:cNvSpPr>
-          <p:nvPr>
-            <p:ph type="ftr" sz="quarter" idx="10"/>
-          </p:nvPr>
-        </p:nvSpPr>
-        <p:spPr/>
-        <p:txBody>
-          <a:bodyPr/>
-          <a:lstStyle/>
-          <a:p>
-            <a:r>
-              <a:rPr lang="en-US" smtClean="0"/>
-              <a:t>© 2016 NetApp, Inc. All rights reserved. NetApp Proprietary – Limited Use Only</a:t>
-            </a:r>
             <a:endParaRPr lang="en-US" dirty="0"/>
           </a:p>
         </p:txBody>
@@ -1508,6 +1485,90 @@
           <a:p>
             <a:fld id="{F613E33D-6838-4ED6-9C66-50E6073A78E8}" type="slidenum">
               <a:rPr lang="en-US" smtClean="0"/>
+              <a:t>21</a:t>
+            </a:fld>
+            <a:endParaRPr lang="en-US"/>
+          </a:p>
+        </p:txBody>
+      </p:sp>
+    </p:spTree>
+    <p:extLst>
+      <p:ext uri="{BB962C8B-B14F-4D97-AF65-F5344CB8AC3E}">
+        <p14:creationId xmlns:p14="http://schemas.microsoft.com/office/powerpoint/2010/main" val="3416335699"/>
+      </p:ext>
+    </p:extLst>
+  </p:cSld>
+  <p:clrMapOvr>
+    <a:masterClrMapping/>
+  </p:clrMapOvr>
+</p:notes>
+</file>
+
+<file path=ppt/notesSlides/notesSlide7.xml><?xml version="1.0" encoding="utf-8"?>
+<p:notes xmlns:a="http://schemas.openxmlformats.org/drawingml/2006/main" xmlns:r="http://schemas.openxmlformats.org/officeDocument/2006/relationships" xmlns:p="http://schemas.openxmlformats.org/presentationml/2006/main">
+  <p:cSld>
+    <p:spTree>
+      <p:nvGrpSpPr>
+        <p:cNvPr id="1" name=""/>
+        <p:cNvGrpSpPr/>
+        <p:nvPr/>
+      </p:nvGrpSpPr>
+      <p:grpSpPr>
+        <a:xfrm>
+          <a:off x="0" y="0"/>
+          <a:ext cx="0" cy="0"/>
+          <a:chOff x="0" y="0"/>
+          <a:chExt cx="0" cy="0"/>
+        </a:xfrm>
+      </p:grpSpPr>
+      <p:sp>
+        <p:nvSpPr>
+          <p:cNvPr id="2" name="Slide Image Placeholder 1"/>
+          <p:cNvSpPr>
+            <a:spLocks noGrp="1" noRot="1" noChangeAspect="1"/>
+          </p:cNvSpPr>
+          <p:nvPr>
+            <p:ph type="sldImg"/>
+          </p:nvPr>
+        </p:nvSpPr>
+        <p:spPr/>
+      </p:sp>
+      <p:sp>
+        <p:nvSpPr>
+          <p:cNvPr id="3" name="Notes Placeholder 2"/>
+          <p:cNvSpPr>
+            <a:spLocks noGrp="1"/>
+          </p:cNvSpPr>
+          <p:nvPr>
+            <p:ph type="body" idx="1"/>
+          </p:nvPr>
+        </p:nvSpPr>
+        <p:spPr/>
+        <p:txBody>
+          <a:bodyPr/>
+          <a:lstStyle/>
+          <a:p>
+            <a:endParaRPr lang="en-US"/>
+          </a:p>
+        </p:txBody>
+      </p:sp>
+      <p:sp>
+        <p:nvSpPr>
+          <p:cNvPr id="4" name="Slide Number Placeholder 3"/>
+          <p:cNvSpPr>
+            <a:spLocks noGrp="1"/>
+          </p:cNvSpPr>
+          <p:nvPr>
+            <p:ph type="sldNum" sz="quarter" idx="10"/>
+          </p:nvPr>
+        </p:nvSpPr>
+        <p:spPr/>
+        <p:txBody>
+          <a:bodyPr/>
+          <a:lstStyle/>
+          <a:p>
+            <a:fld id="{F613E33D-6838-4ED6-9C66-50E6073A78E8}" type="slidenum">
+              <a:rPr lang="en-US" smtClean="0"/>
               <a:t>22</a:t>
             </a:fld>
             <a:endParaRPr lang="en-US"/>
@@ -1527,7 +1588,91 @@
 </p:notes>
 </file>
 
-<file path=ppt/notesSlides/notesSlide7.xml><?xml version="1.0" encoding="utf-8"?>
+<file path=ppt/notesSlides/notesSlide8.xml><?xml version="1.0" encoding="utf-8"?>
+<p:notes xmlns:a="http://schemas.openxmlformats.org/drawingml/2006/main" xmlns:r="http://schemas.openxmlformats.org/officeDocument/2006/relationships" xmlns:p="http://schemas.openxmlformats.org/presentationml/2006/main">
+  <p:cSld>
+    <p:spTree>
+      <p:nvGrpSpPr>
+        <p:cNvPr id="1" name=""/>
+        <p:cNvGrpSpPr/>
+        <p:nvPr/>
+      </p:nvGrpSpPr>
+      <p:grpSpPr>
+        <a:xfrm>
+          <a:off x="0" y="0"/>
+          <a:ext cx="0" cy="0"/>
+          <a:chOff x="0" y="0"/>
+          <a:chExt cx="0" cy="0"/>
+        </a:xfrm>
+      </p:grpSpPr>
+      <p:sp>
+        <p:nvSpPr>
+          <p:cNvPr id="2" name="Slide Image Placeholder 1"/>
+          <p:cNvSpPr>
+            <a:spLocks noGrp="1" noRot="1" noChangeAspect="1"/>
+          </p:cNvSpPr>
+          <p:nvPr>
+            <p:ph type="sldImg"/>
+          </p:nvPr>
+        </p:nvSpPr>
+        <p:spPr/>
+      </p:sp>
+      <p:sp>
+        <p:nvSpPr>
+          <p:cNvPr id="3" name="Notes Placeholder 2"/>
+          <p:cNvSpPr>
+            <a:spLocks noGrp="1"/>
+          </p:cNvSpPr>
+          <p:nvPr>
+            <p:ph type="body" idx="1"/>
+          </p:nvPr>
+        </p:nvSpPr>
+        <p:spPr/>
+        <p:txBody>
+          <a:bodyPr/>
+          <a:lstStyle/>
+          <a:p>
+            <a:endParaRPr lang="en-US" dirty="0"/>
+          </a:p>
+        </p:txBody>
+      </p:sp>
+      <p:sp>
+        <p:nvSpPr>
+          <p:cNvPr id="4" name="Slide Number Placeholder 3"/>
+          <p:cNvSpPr>
+            <a:spLocks noGrp="1"/>
+          </p:cNvSpPr>
+          <p:nvPr>
+            <p:ph type="sldNum" sz="quarter" idx="10"/>
+          </p:nvPr>
+        </p:nvSpPr>
+        <p:spPr/>
+        <p:txBody>
+          <a:bodyPr/>
+          <a:lstStyle/>
+          <a:p>
+            <a:fld id="{F613E33D-6838-4ED6-9C66-50E6073A78E8}" type="slidenum">
+              <a:rPr lang="en-US" smtClean="0"/>
+              <a:t>23</a:t>
+            </a:fld>
+            <a:endParaRPr lang="en-US"/>
+          </a:p>
+        </p:txBody>
+      </p:sp>
+    </p:spTree>
+    <p:extLst>
+      <p:ext uri="{BB962C8B-B14F-4D97-AF65-F5344CB8AC3E}">
+        <p14:creationId xmlns:p14="http://schemas.microsoft.com/office/powerpoint/2010/main" val="952152240"/>
+      </p:ext>
+    </p:extLst>
+  </p:cSld>
+  <p:clrMapOvr>
+    <a:masterClrMapping/>
+  </p:clrMapOvr>
+</p:notes>
+</file>
+
+<file path=ppt/notesSlides/notesSlide9.xml><?xml version="1.0" encoding="utf-8"?>
 <p:notes xmlns:a="http://schemas.openxmlformats.org/drawingml/2006/main" xmlns:r="http://schemas.openxmlformats.org/officeDocument/2006/relationships" xmlns:p="http://schemas.openxmlformats.org/presentationml/2006/main">
   <p:cSld>
     <p:spTree>
@@ -1742,7 +1887,7 @@
           <a:p>
             <a:fld id="{3C09AE1F-B5A5-4B61-9B39-3ACD900D94BD}" type="datetime1">
               <a:rPr lang="en-US" smtClean="0"/>
-              <a:t>12/21/2016</a:t>
+              <a:t>7/9/2017</a:t>
             </a:fld>
             <a:endParaRPr lang="en-US"/>
           </a:p>
@@ -1916,7 +2061,7 @@
           <a:p>
             <a:fld id="{127FC2C1-D701-4E9C-8B4A-80AC3752023F}" type="datetime1">
               <a:rPr lang="en-US" smtClean="0"/>
-              <a:t>12/21/2016</a:t>
+              <a:t>7/9/2017</a:t>
             </a:fld>
             <a:endParaRPr lang="en-US"/>
           </a:p>
@@ -2100,7 +2245,7 @@
           <a:p>
             <a:fld id="{FE7B3E3B-3B89-40E9-B8F1-CCF787B48FD4}" type="datetime1">
               <a:rPr lang="en-US" smtClean="0"/>
-              <a:t>12/21/2016</a:t>
+              <a:t>7/9/2017</a:t>
             </a:fld>
             <a:endParaRPr lang="en-US"/>
           </a:p>
@@ -2267,7 +2412,7 @@
             </a:pPr>
             <a:fld id="{BAED7F86-DD95-4260-BA05-63984F9DD5F9}" type="datetime1">
               <a:rPr lang="en-US" smtClean="0"/>
-              <a:t>12/21/2016</a:t>
+              <a:t>7/9/2017</a:t>
             </a:fld>
             <a:endParaRPr lang="en-US"/>
           </a:p>
@@ -2458,7 +2603,7 @@
           <a:p>
             <a:fld id="{EF9FD2D9-5E6C-4B27-9BDB-B0AAC907AF2B}" type="datetime1">
               <a:rPr lang="en-US" smtClean="0"/>
-              <a:t>12/21/2016</a:t>
+              <a:t>7/9/2017</a:t>
             </a:fld>
             <a:endParaRPr lang="en-US"/>
           </a:p>
@@ -2719,7 +2864,7 @@
           <a:p>
             <a:fld id="{B8F849FE-30CF-4477-9530-5CB2FCA7C729}" type="datetime1">
               <a:rPr lang="en-US" smtClean="0"/>
-              <a:t>12/21/2016</a:t>
+              <a:t>7/9/2017</a:t>
             </a:fld>
             <a:endParaRPr lang="en-US"/>
           </a:p>
@@ -2955,7 +3100,7 @@
           <a:p>
             <a:fld id="{0A3DB838-A11F-4AA7-A839-904F053E796F}" type="datetime1">
               <a:rPr lang="en-US" smtClean="0"/>
-              <a:t>12/21/2016</a:t>
+              <a:t>7/9/2017</a:t>
             </a:fld>
             <a:endParaRPr lang="en-US"/>
           </a:p>
@@ -3333,7 +3478,7 @@
           <a:p>
             <a:fld id="{27A6EC7A-F035-49C0-AF9D-59EB5734FA9C}" type="datetime1">
               <a:rPr lang="en-US" smtClean="0"/>
-              <a:t>12/21/2016</a:t>
+              <a:t>7/9/2017</a:t>
             </a:fld>
             <a:endParaRPr lang="en-US"/>
           </a:p>
@@ -3462,7 +3607,7 @@
           <a:p>
             <a:fld id="{3BF0F4A2-FACA-454B-9025-89EB9EEA777D}" type="datetime1">
               <a:rPr lang="en-US" smtClean="0"/>
-              <a:t>12/21/2016</a:t>
+              <a:t>7/9/2017</a:t>
             </a:fld>
             <a:endParaRPr lang="en-US"/>
           </a:p>
@@ -3561,7 +3706,7 @@
           <a:p>
             <a:fld id="{80C561FA-5102-4EAD-BE7E-5F63D9DDCFB2}" type="datetime1">
               <a:rPr lang="en-US" smtClean="0"/>
-              <a:t>12/21/2016</a:t>
+              <a:t>7/9/2017</a:t>
             </a:fld>
             <a:endParaRPr lang="en-US"/>
           </a:p>
@@ -3849,7 +3994,7 @@
           <a:p>
             <a:fld id="{1441AFCE-8D88-490B-8A31-5DDBA3895666}" type="datetime1">
               <a:rPr lang="en-US" smtClean="0"/>
-              <a:t>12/21/2016</a:t>
+              <a:t>7/9/2017</a:t>
             </a:fld>
             <a:endParaRPr lang="en-US"/>
           </a:p>
@@ -4113,7 +4258,7 @@
           <a:p>
             <a:fld id="{A232ACB8-FEAD-4B5B-B712-EDF4D19B30C6}" type="datetime1">
               <a:rPr lang="en-US" smtClean="0"/>
-              <a:t>12/21/2016</a:t>
+              <a:t>7/9/2017</a:t>
             </a:fld>
             <a:endParaRPr lang="en-US"/>
           </a:p>
@@ -4360,7 +4505,7 @@
           <a:p>
             <a:fld id="{819C8716-8D63-4EFF-A5C9-411DEBD23311}" type="datetime1">
               <a:rPr lang="en-US" smtClean="0"/>
-              <a:t>12/21/2016</a:t>
+              <a:t>7/9/2017</a:t>
             </a:fld>
             <a:endParaRPr lang="en-US" dirty="0"/>
           </a:p>
@@ -4807,11 +4952,7 @@
             </a:r>
             <a:r>
               <a:rPr lang="en-US" sz="2800" b="1" dirty="0" smtClean="0"/>
-              <a:t>DT </a:t>
-            </a:r>
-            <a:r>
-              <a:rPr lang="en-US" sz="2800" b="1" dirty="0" smtClean="0"/>
-              <a:t>Overview 2016</a:t>
+              <a:t>DT Overview 2016</a:t>
             </a:r>
             <a:r>
               <a:rPr lang="en-US" sz="2800" dirty="0"/>
@@ -4895,11 +5036,7 @@
             <a:pPr algn="ctr" eaLnBrk="1" hangingPunct="1"/>
             <a:r>
               <a:rPr lang="en-US" dirty="0" smtClean="0"/>
-              <a:t>21 </a:t>
-            </a:r>
-            <a:r>
-              <a:rPr lang="en-US" dirty="0" smtClean="0"/>
-              <a:t>December 2016</a:t>
+              <a:t>21 December 2016</a:t>
             </a:r>
           </a:p>
         </p:txBody>
@@ -4990,11 +5127,7 @@
           <a:p>
             <a:r>
               <a:rPr lang="en-US" dirty="0" smtClean="0"/>
-              <a:t>Data </a:t>
-            </a:r>
-            <a:r>
-              <a:rPr lang="en-US" dirty="0" smtClean="0"/>
-              <a:t>Generation and Verification</a:t>
+              <a:t>Data Generation and Verification</a:t>
             </a:r>
           </a:p>
           <a:p>
@@ -5004,24 +5137,15 @@
             </a:r>
             <a:r>
               <a:rPr lang="en-US" dirty="0" smtClean="0"/>
-              <a:t>Cache </a:t>
-            </a:r>
+              <a:t>Cache control</a:t>
+            </a:r>
+            <a:endParaRPr lang="en-US" dirty="0"/>
+          </a:p>
+          <a:p>
             <a:r>
               <a:rPr lang="en-US" dirty="0" smtClean="0"/>
-              <a:t>control</a:t>
-            </a:r>
-            <a:endParaRPr lang="en-US" dirty="0"/>
-          </a:p>
-          <a:p>
-            <a:r>
-              <a:rPr lang="en-US" dirty="0" smtClean="0"/>
-              <a:t>Dynamic Throttling of </a:t>
-            </a:r>
-            <a:r>
-              <a:rPr lang="en-US" dirty="0" smtClean="0"/>
-              <a:t>I/O’s (IOPS)</a:t>
-            </a:r>
-            <a:endParaRPr lang="en-US" dirty="0" smtClean="0"/>
+              <a:t>Dynamic Throttling of I/O’s (IOPS)</a:t>
+            </a:r>
           </a:p>
           <a:p>
             <a:r>
@@ -5052,17 +5176,8 @@
           <a:p>
             <a:r>
               <a:rPr lang="en-US" dirty="0" smtClean="0"/>
-              <a:t>Supports any Disk </a:t>
-            </a:r>
-            <a:r>
-              <a:rPr lang="en-US" dirty="0" smtClean="0"/>
-              <a:t>Sector </a:t>
-            </a:r>
-            <a:r>
-              <a:rPr lang="en-US" dirty="0" smtClean="0"/>
-              <a:t>Size (e.g. 4k)</a:t>
-            </a:r>
-            <a:endParaRPr lang="en-US" dirty="0" smtClean="0"/>
+              <a:t>Supports any Disk Sector Size (e.g. 4k)</a:t>
+            </a:r>
           </a:p>
           <a:p>
             <a:r>
@@ -5081,11 +5196,7 @@
             </a:r>
             <a:r>
               <a:rPr lang="en-US" dirty="0" smtClean="0"/>
-              <a:t>ther </a:t>
-            </a:r>
-            <a:r>
-              <a:rPr lang="en-US" dirty="0" smtClean="0"/>
-              <a:t>I/O Tool Behaviors</a:t>
+              <a:t>ther I/O Tool Behaviors</a:t>
             </a:r>
           </a:p>
         </p:txBody>
@@ -5275,7 +5386,7 @@
           <a:p>
             <a:fld id="{CE7D81F9-E983-4EAF-BEEF-F22C39A037D4}" type="datetime1">
               <a:rPr lang="en-US" smtClean="0"/>
-              <a:t>12/21/2016</a:t>
+              <a:t>7/9/2017</a:t>
             </a:fld>
             <a:endParaRPr lang="en-US"/>
           </a:p>
@@ -5510,7 +5621,7 @@
             <a:pPr eaLnBrk="1" hangingPunct="1"/>
             <a:fld id="{B3D4046D-B43F-4FC4-A658-1943DC813839}" type="datetime1">
               <a:rPr lang="en-US" sz="1400" smtClean="0"/>
-              <a:t>12/21/2016</a:t>
+              <a:t>7/9/2017</a:t>
             </a:fld>
             <a:endParaRPr lang="en-US" sz="1400"/>
           </a:p>
@@ -6336,11 +6447,7 @@
           <a:p>
             <a:r>
               <a:rPr lang="en-US" dirty="0" smtClean="0"/>
-              <a:t>Several Preferred </a:t>
-            </a:r>
-            <a:r>
-              <a:rPr lang="en-US" dirty="0" smtClean="0"/>
-              <a:t>Test Options</a:t>
+              <a:t>Several Preferred Test Options</a:t>
             </a:r>
             <a:endParaRPr lang="en-US" dirty="0"/>
           </a:p>
@@ -6472,11 +6579,7 @@
             </a:r>
             <a:r>
               <a:rPr lang="en-US" b="1" dirty="0" smtClean="0"/>
-              <a:t> </a:t>
-            </a:r>
-            <a:r>
-              <a:rPr lang="en-US" b="1" dirty="0" smtClean="0"/>
-              <a:t>enable=</a:t>
+              <a:t> enable=</a:t>
             </a:r>
             <a:r>
               <a:rPr lang="en-US" b="1" dirty="0" err="1" smtClean="0"/>
@@ -6708,7 +6811,7 @@
           <a:p>
             <a:fld id="{C7BDE197-1D07-4937-8A5E-83334BBCFDC5}" type="datetime1">
               <a:rPr lang="en-US" smtClean="0"/>
-              <a:t>12/21/2016</a:t>
+              <a:t>7/9/2017</a:t>
             </a:fld>
             <a:endParaRPr lang="en-US"/>
           </a:p>
@@ -7045,7 +7148,7 @@
           <a:p>
             <a:fld id="{B2F39A31-2D71-4EDF-B1D5-F6EFED22AFE5}" type="datetime1">
               <a:rPr lang="en-US" smtClean="0"/>
-              <a:t>12/21/2016</a:t>
+              <a:t>7/9/2017</a:t>
             </a:fld>
             <a:endParaRPr lang="en-US"/>
           </a:p>
@@ -7570,7 +7673,7 @@
           <a:p>
             <a:fld id="{ABFDAD37-F8F9-4636-AD3B-05339D564DDD}" type="datetime1">
               <a:rPr lang="en-US" smtClean="0"/>
-              <a:t>12/21/2016</a:t>
+              <a:t>7/9/2017</a:t>
             </a:fld>
             <a:endParaRPr lang="en-US"/>
           </a:p>
@@ -8096,7 +8199,7 @@
           <a:p>
             <a:fld id="{EA292C6F-7E5A-409C-AE0F-4B32C9472C76}" type="datetime1">
               <a:rPr lang="en-US" smtClean="0"/>
-              <a:t>12/21/2016</a:t>
+              <a:t>7/9/2017</a:t>
             </a:fld>
             <a:endParaRPr lang="en-US"/>
           </a:p>
@@ -8835,7 +8938,7 @@
           <a:p>
             <a:fld id="{7EB8402F-7765-48D0-BBC1-3094400E8DEE}" type="datetime1">
               <a:rPr lang="en-US" smtClean="0"/>
-              <a:t>12/21/2016</a:t>
+              <a:t>7/9/2017</a:t>
             </a:fld>
             <a:endParaRPr lang="en-US"/>
           </a:p>
@@ -9057,7 +9160,7 @@
             <a:pPr eaLnBrk="1" hangingPunct="1"/>
             <a:fld id="{17257CCA-BEDA-4349-A3E0-522FA77444DD}" type="datetime1">
               <a:rPr lang="en-US" sz="1400" smtClean="0"/>
-              <a:t>12/21/2016</a:t>
+              <a:t>7/9/2017</a:t>
             </a:fld>
             <a:endParaRPr lang="en-US" sz="1400"/>
           </a:p>
@@ -10790,7 +10893,7 @@
           <a:p>
             <a:fld id="{F1D0A6D3-A35C-4D9C-84D5-46EBEB99CAF8}" type="datetime1">
               <a:rPr lang="en-US" smtClean="0"/>
-              <a:t>12/21/2016</a:t>
+              <a:t>7/9/2017</a:t>
             </a:fld>
             <a:endParaRPr lang="en-US"/>
           </a:p>
@@ -10930,162 +11033,10 @@
               <a:t>Pattern strings and data pattern follow </a:t>
             </a:r>
             <a:r>
-              <a:rPr lang="en-US" dirty="0" err="1"/>
+              <a:rPr lang="en-US" dirty="0" err="1" smtClean="0"/>
               <a:t>btag</a:t>
             </a:r>
             <a:endParaRPr lang="en-US" dirty="0"/>
-          </a:p>
-          <a:p>
-            <a:r>
-              <a:rPr lang="en-US" dirty="0"/>
-              <a:t>The </a:t>
-            </a:r>
-            <a:r>
-              <a:rPr lang="en-US" dirty="0" err="1"/>
-              <a:t>dtapp</a:t>
-            </a:r>
-            <a:r>
-              <a:rPr lang="en-US" dirty="0"/>
-              <a:t> I/O behavior extends the block tag:</a:t>
-            </a:r>
-          </a:p>
-          <a:p>
-            <a:pPr lvl="1"/>
-            <a:r>
-              <a:rPr lang="en-US" sz="2400" dirty="0" err="1" smtClean="0"/>
-              <a:t>dt</a:t>
-            </a:r>
-            <a:r>
-              <a:rPr lang="en-US" sz="2400" dirty="0" smtClean="0"/>
-              <a:t> </a:t>
-            </a:r>
-            <a:r>
-              <a:rPr lang="en-US" sz="2400" dirty="0"/>
-              <a:t>App-aware </a:t>
-            </a:r>
-            <a:r>
-              <a:rPr lang="en-US" sz="2400" dirty="0" smtClean="0"/>
-              <a:t>Extension: </a:t>
-            </a:r>
-            <a:r>
-              <a:rPr lang="en-US" sz="2400" b="1" dirty="0" err="1" smtClean="0"/>
-              <a:t>iobehavior</a:t>
-            </a:r>
-            <a:r>
-              <a:rPr lang="en-US" sz="2400" b="1" dirty="0" smtClean="0"/>
-              <a:t>=</a:t>
-            </a:r>
-            <a:r>
-              <a:rPr lang="en-US" sz="2400" b="1" dirty="0" err="1" smtClean="0"/>
-              <a:t>dtapp</a:t>
-            </a:r>
-            <a:endParaRPr lang="en-US" sz="2400" b="1" dirty="0"/>
-          </a:p>
-          <a:p>
-            <a:pPr lvl="1"/>
-            <a:r>
-              <a:rPr lang="en-US" sz="2400" dirty="0"/>
-              <a:t>lists of primary (writer) and secondary (mirror) LUNs</a:t>
-            </a:r>
-          </a:p>
-          <a:p>
-            <a:pPr lvl="1"/>
-            <a:r>
-              <a:rPr lang="en-US" sz="2600" dirty="0"/>
-              <a:t>primary LUNs are randomly selected</a:t>
-            </a:r>
-          </a:p>
-          <a:p>
-            <a:pPr lvl="1"/>
-            <a:r>
-              <a:rPr lang="en-US" sz="2600" dirty="0"/>
-              <a:t>device lists are pairs of primary/mirror LUNs:</a:t>
-            </a:r>
-          </a:p>
-          <a:p>
-            <a:pPr lvl="2"/>
-            <a:r>
-              <a:rPr lang="en-US" sz="2600" dirty="0"/>
-              <a:t>of=/dev/</a:t>
-            </a:r>
-            <a:r>
-              <a:rPr lang="en-US" sz="2600" dirty="0" err="1"/>
-              <a:t>sdh</a:t>
-            </a:r>
-            <a:r>
-              <a:rPr lang="en-US" sz="2600" dirty="0"/>
-              <a:t>,/dev/</a:t>
-            </a:r>
-            <a:r>
-              <a:rPr lang="en-US" sz="2600" dirty="0" err="1"/>
-              <a:t>sdc</a:t>
-            </a:r>
-            <a:r>
-              <a:rPr lang="en-US" sz="2600" dirty="0"/>
-              <a:t>,/dev/</a:t>
-            </a:r>
-            <a:r>
-              <a:rPr lang="en-US" sz="2600" dirty="0" err="1"/>
-              <a:t>sdk</a:t>
-            </a:r>
-            <a:r>
-              <a:rPr lang="en-US" sz="2600" dirty="0"/>
-              <a:t>,/dev/</a:t>
-            </a:r>
-            <a:r>
-              <a:rPr lang="en-US" sz="2600" dirty="0" err="1"/>
-              <a:t>sde</a:t>
-            </a:r>
-            <a:r>
-              <a:rPr lang="en-US" sz="2600" dirty="0"/>
-              <a:t> (writers)</a:t>
-            </a:r>
-          </a:p>
-          <a:p>
-            <a:pPr lvl="2"/>
-            <a:r>
-              <a:rPr lang="en-US" sz="2600" dirty="0"/>
-              <a:t>mirror=/dev/</a:t>
-            </a:r>
-            <a:r>
-              <a:rPr lang="en-US" sz="2600" dirty="0" err="1"/>
-              <a:t>sdj</a:t>
-            </a:r>
-            <a:r>
-              <a:rPr lang="en-US" sz="2600" dirty="0"/>
-              <a:t>,/dev/</a:t>
-            </a:r>
-            <a:r>
-              <a:rPr lang="en-US" sz="2600" dirty="0" err="1"/>
-              <a:t>sdd</a:t>
-            </a:r>
-            <a:r>
-              <a:rPr lang="en-US" sz="2600" dirty="0"/>
-              <a:t>,/dev/</a:t>
-            </a:r>
-            <a:r>
-              <a:rPr lang="en-US" sz="2600" dirty="0" err="1"/>
-              <a:t>sdm</a:t>
-            </a:r>
-            <a:r>
-              <a:rPr lang="en-US" sz="2600" dirty="0"/>
-              <a:t>,/dev/</a:t>
-            </a:r>
-            <a:r>
-              <a:rPr lang="en-US" sz="2600" dirty="0" err="1"/>
-              <a:t>sdg</a:t>
-            </a:r>
-            <a:r>
-              <a:rPr lang="en-US" sz="2600" dirty="0"/>
-              <a:t> (optional)</a:t>
-            </a:r>
-          </a:p>
-          <a:p>
-            <a:pPr lvl="1"/>
-            <a:r>
-              <a:rPr lang="en-US" sz="2400" dirty="0"/>
-              <a:t>provides self-descriptive data for write-order dependencies</a:t>
-            </a:r>
           </a:p>
         </p:txBody>
       </p:sp>
@@ -11611,7 +11562,7 @@
           <a:p>
             <a:fld id="{EF64AD7D-EC69-4EB0-93BA-799E48C76442}" type="datetime1">
               <a:rPr lang="en-US" smtClean="0"/>
-              <a:t>12/21/2016</a:t>
+              <a:t>7/9/2017</a:t>
             </a:fld>
             <a:endParaRPr lang="en-US"/>
           </a:p>
@@ -13489,7 +13440,7 @@
           <a:p>
             <a:fld id="{A8895FA9-94E1-4E5D-AFDC-66E6045F4FF9}" type="datetime1">
               <a:rPr lang="en-US" smtClean="0"/>
-              <a:t>12/21/2016</a:t>
+              <a:t>7/9/2017</a:t>
             </a:fld>
             <a:endParaRPr lang="en-US"/>
           </a:p>
@@ -15763,7 +15714,7 @@
           <a:p>
             <a:fld id="{F5748D3F-9F3E-44C2-8DC1-1198C9FD0022}" type="datetime1">
               <a:rPr lang="en-US" smtClean="0"/>
-              <a:t>12/21/2016</a:t>
+              <a:t>7/9/2017</a:t>
             </a:fld>
             <a:endParaRPr lang="en-US"/>
           </a:p>
@@ -16047,7 +15998,7 @@
           <a:p>
             <a:fld id="{0AAF9330-89E4-4AEE-BED7-59FC3FC19B18}" type="datetime1">
               <a:rPr lang="en-US" smtClean="0"/>
-              <a:t>12/21/2016</a:t>
+              <a:t>7/9/2017</a:t>
             </a:fld>
             <a:endParaRPr lang="en-US"/>
           </a:p>
@@ -16190,16 +16141,11 @@
               <a:rPr lang="en-US" dirty="0" smtClean="0"/>
               <a:t>Used with script files and I/O workload service.</a:t>
             </a:r>
-            <a:endParaRPr lang="en-US" dirty="0" smtClean="0"/>
           </a:p>
           <a:p>
             <a:r>
               <a:rPr lang="en-US" dirty="0" smtClean="0"/>
-              <a:t>A </a:t>
-            </a:r>
-            <a:r>
-              <a:rPr lang="en-US" dirty="0" smtClean="0"/>
-              <a:t>set of commands to dynamically control jobs</a:t>
+              <a:t>A set of commands to dynamically control jobs</a:t>
             </a:r>
           </a:p>
           <a:p>
@@ -16263,13 +16209,8 @@
             <a:pPr lvl="1"/>
             <a:r>
               <a:rPr lang="en-US" dirty="0" smtClean="0"/>
-              <a:t>job tags are preferred, since job ID’s </a:t>
-            </a:r>
-            <a:r>
-              <a:rPr lang="en-US" dirty="0" smtClean="0"/>
-              <a:t>vary</a:t>
-            </a:r>
-            <a:endParaRPr lang="en-US" dirty="0" smtClean="0"/>
+              <a:t>job tags are preferred, since job ID’s vary</a:t>
+            </a:r>
           </a:p>
           <a:p>
             <a:pPr lvl="1"/>
@@ -16316,7 +16257,7 @@
           <a:p>
             <a:fld id="{89ACBFA9-34B8-4E72-B033-EAD51CFD7718}" type="datetime1">
               <a:rPr lang="en-US" smtClean="0"/>
-              <a:t>12/21/2016</a:t>
+              <a:t>7/9/2017</a:t>
             </a:fld>
             <a:endParaRPr lang="en-US"/>
           </a:p>
@@ -16668,7 +16609,7 @@
           <a:p>
             <a:fld id="{22417CD8-90F3-447E-933C-30B5557AEEC1}" type="datetime1">
               <a:rPr lang="en-US" smtClean="0"/>
-              <a:t>12/21/2016</a:t>
+              <a:t>7/9/2017</a:t>
             </a:fld>
             <a:endParaRPr lang="en-US"/>
           </a:p>
@@ -16981,7 +16922,7 @@
           <a:p>
             <a:fld id="{1CEFD148-ADCD-4ACD-AE38-C8DC39C4B85D}" type="datetime1">
               <a:rPr lang="en-US" smtClean="0"/>
-              <a:t>12/21/2016</a:t>
+              <a:t>7/9/2017</a:t>
             </a:fld>
             <a:endParaRPr lang="en-US"/>
           </a:p>
@@ -17112,15 +17053,7 @@
           <a:p>
             <a:r>
               <a:rPr lang="en-US" sz="3000" dirty="0" smtClean="0"/>
-              <a:t>Several </a:t>
-            </a:r>
-            <a:r>
-              <a:rPr lang="en-US" sz="3000" dirty="0" smtClean="0"/>
-              <a:t>workloads ~21 </a:t>
-            </a:r>
-            <a:r>
-              <a:rPr lang="en-US" sz="3000" dirty="0" smtClean="0"/>
-              <a:t>are pre-defined</a:t>
+              <a:t>Several workloads ~21 are pre-defined</a:t>
             </a:r>
           </a:p>
           <a:p>
@@ -17374,7 +17307,7 @@
           <a:p>
             <a:fld id="{98CEB076-6F7A-425D-99E3-57EB9750337C}" type="datetime1">
               <a:rPr lang="en-US" smtClean="0"/>
-              <a:t>12/21/2016</a:t>
+              <a:t>7/9/2017</a:t>
             </a:fld>
             <a:endParaRPr lang="en-US"/>
           </a:p>
@@ -17487,11 +17420,7 @@
           <a:p>
             <a:r>
               <a:rPr lang="en-US" dirty="0" smtClean="0"/>
-              <a:t>SCSI </a:t>
-            </a:r>
-            <a:r>
-              <a:rPr lang="en-US" dirty="0" smtClean="0"/>
-              <a:t>Specific Features</a:t>
+              <a:t>SCSI Specific Features</a:t>
             </a:r>
           </a:p>
         </p:txBody>
@@ -17583,11 +17512,7 @@
             <a:pPr lvl="1"/>
             <a:r>
               <a:rPr lang="en-US" dirty="0" smtClean="0"/>
-              <a:t>Capacity and Block </a:t>
-            </a:r>
-            <a:r>
-              <a:rPr lang="en-US" dirty="0" smtClean="0"/>
-              <a:t>Size</a:t>
+              <a:t>Capacity and Block Size</a:t>
             </a:r>
           </a:p>
           <a:p>
@@ -17596,14 +17521,12 @@
               <a:rPr lang="en-US" dirty="0" smtClean="0"/>
               <a:t>Helps engineers identify failing disk</a:t>
             </a:r>
-            <a:endParaRPr lang="en-US" dirty="0" smtClean="0"/>
           </a:p>
           <a:p>
             <a:r>
               <a:rPr lang="en-US" dirty="0" smtClean="0"/>
               <a:t>TODO: Add NVME API to gather similar info!</a:t>
             </a:r>
-            <a:endParaRPr lang="en-US" dirty="0" smtClean="0"/>
           </a:p>
         </p:txBody>
       </p:sp>
@@ -17792,7 +17715,7 @@
           <a:p>
             <a:fld id="{E6FEEEB7-CAA9-46A6-B825-D71487234D44}" type="datetime1">
               <a:rPr lang="en-US" smtClean="0"/>
-              <a:t>12/21/2016</a:t>
+              <a:t>7/9/2017</a:t>
             </a:fld>
             <a:endParaRPr lang="en-US"/>
           </a:p>
@@ -17905,11 +17828,7 @@
           <a:p>
             <a:r>
               <a:rPr lang="en-US" dirty="0" smtClean="0"/>
-              <a:t>SCSI Specific Options</a:t>
-            </a:r>
-            <a:r>
-              <a:rPr lang="en-US" dirty="0" smtClean="0"/>
-              <a:t>: (se “</a:t>
+              <a:t>SCSI Specific Options: (se “</a:t>
             </a:r>
             <a:r>
               <a:rPr lang="en-US" dirty="0" err="1" smtClean="0"/>
@@ -17919,7 +17838,6 @@
               <a:rPr lang="en-US" dirty="0" smtClean="0"/>
               <a:t> help” for more options)</a:t>
             </a:r>
-            <a:endParaRPr lang="en-US" dirty="0" smtClean="0"/>
           </a:p>
           <a:p>
             <a:pPr lvl="1"/>
@@ -18113,21 +18031,31 @@
                 <a:latin typeface="Calibri" panose="020F0502020204030204" pitchFamily="34" charset="0"/>
                 <a:cs typeface="Courier New" panose="02070309020205020404" pitchFamily="49" charset="0"/>
               </a:rPr>
-              <a:t>=value </a:t>
+              <a:t>=value  The SCSI timeout (in </a:t>
+            </a:r>
+            <a:r>
+              <a:rPr lang="en-US" sz="2800" dirty="0" err="1" smtClean="0">
+                <a:latin typeface="Calibri" panose="020F0502020204030204" pitchFamily="34" charset="0"/>
+                <a:cs typeface="Courier New" panose="02070309020205020404" pitchFamily="49" charset="0"/>
+              </a:rPr>
+              <a:t>ms</a:t>
             </a:r>
             <a:r>
               <a:rPr lang="en-US" sz="2800" dirty="0" smtClean="0">
                 <a:latin typeface="Calibri" panose="020F0502020204030204" pitchFamily="34" charset="0"/>
                 <a:cs typeface="Courier New" panose="02070309020205020404" pitchFamily="49" charset="0"/>
               </a:rPr>
-              <a:t> The </a:t>
-            </a:r>
+              <a:t>).</a:t>
+            </a:r>
+          </a:p>
+          <a:p>
+            <a:pPr lvl="2"/>
             <a:r>
               <a:rPr lang="en-US" sz="2800" dirty="0" smtClean="0">
                 <a:latin typeface="Calibri" panose="020F0502020204030204" pitchFamily="34" charset="0"/>
                 <a:cs typeface="Courier New" panose="02070309020205020404" pitchFamily="49" charset="0"/>
               </a:rPr>
-              <a:t>SCSI timeout (in </a:t>
+              <a:t>Default is 60000 </a:t>
             </a:r>
             <a:r>
               <a:rPr lang="en-US" sz="2800" dirty="0" err="1" smtClean="0">
@@ -18141,30 +18069,6 @@
                 <a:latin typeface="Calibri" panose="020F0502020204030204" pitchFamily="34" charset="0"/>
                 <a:cs typeface="Courier New" panose="02070309020205020404" pitchFamily="49" charset="0"/>
               </a:rPr>
-              <a:t>).</a:t>
-            </a:r>
-          </a:p>
-          <a:p>
-            <a:pPr lvl="2"/>
-            <a:r>
-              <a:rPr lang="en-US" sz="2800" dirty="0" smtClean="0">
-                <a:latin typeface="Calibri" panose="020F0502020204030204" pitchFamily="34" charset="0"/>
-                <a:cs typeface="Courier New" panose="02070309020205020404" pitchFamily="49" charset="0"/>
-              </a:rPr>
-              <a:t>Default is 60000 </a:t>
-            </a:r>
-            <a:r>
-              <a:rPr lang="en-US" sz="2800" dirty="0" err="1" smtClean="0">
-                <a:latin typeface="Calibri" panose="020F0502020204030204" pitchFamily="34" charset="0"/>
-                <a:cs typeface="Courier New" panose="02070309020205020404" pitchFamily="49" charset="0"/>
-              </a:rPr>
-              <a:t>ms</a:t>
-            </a:r>
-            <a:r>
-              <a:rPr lang="en-US" sz="2800" dirty="0" smtClean="0">
-                <a:latin typeface="Calibri" panose="020F0502020204030204" pitchFamily="34" charset="0"/>
-                <a:cs typeface="Courier New" panose="02070309020205020404" pitchFamily="49" charset="0"/>
-              </a:rPr>
               <a:t>, or 60 seconds</a:t>
             </a:r>
           </a:p>
@@ -18186,31 +18090,67 @@
               <a:rPr lang="en-US" sz="2800" dirty="0" smtClean="0">
                 <a:cs typeface="Courier New" panose="02070309020205020404" pitchFamily="49" charset="0"/>
               </a:rPr>
-              <a:t>          </a:t>
+              <a:t>                   SCSI operations.            (Default: enabled)</a:t>
+            </a:r>
+          </a:p>
+          <a:p>
+            <a:pPr lvl="1"/>
+            <a:r>
+              <a:rPr lang="en-US" sz="2800" dirty="0" err="1" smtClean="0">
+                <a:cs typeface="Courier New" panose="02070309020205020404" pitchFamily="49" charset="0"/>
+              </a:rPr>
+              <a:t>scsi_info</a:t>
             </a:r>
             <a:r>
               <a:rPr lang="en-US" sz="2800" dirty="0" smtClean="0">
                 <a:cs typeface="Courier New" panose="02070309020205020404" pitchFamily="49" charset="0"/>
               </a:rPr>
-              <a:t>         </a:t>
+              <a:t>          SCSI information.          (Default: enabled)</a:t>
+            </a:r>
+          </a:p>
+          <a:p>
+            <a:pPr lvl="1"/>
+            <a:r>
+              <a:rPr lang="en-US" sz="2800" dirty="0" err="1" smtClean="0">
+                <a:cs typeface="Courier New" panose="02070309020205020404" pitchFamily="49" charset="0"/>
+              </a:rPr>
+              <a:t>scsi_io</a:t>
             </a:r>
             <a:r>
               <a:rPr lang="en-US" sz="2800" dirty="0" smtClean="0">
                 <a:cs typeface="Courier New" panose="02070309020205020404" pitchFamily="49" charset="0"/>
               </a:rPr>
-              <a:t>SCSI operations.           </a:t>
+              <a:t>              SCSI I/O operations.     (Default: disabled)</a:t>
+            </a:r>
+          </a:p>
+          <a:p>
+            <a:pPr lvl="1"/>
+            <a:r>
+              <a:rPr lang="en-US" sz="2800" dirty="0" err="1" smtClean="0">
+                <a:cs typeface="Courier New" panose="02070309020205020404" pitchFamily="49" charset="0"/>
+              </a:rPr>
+              <a:t>sdebug</a:t>
             </a:r>
             <a:r>
               <a:rPr lang="en-US" sz="2800" dirty="0" smtClean="0">
                 <a:cs typeface="Courier New" panose="02070309020205020404" pitchFamily="49" charset="0"/>
               </a:rPr>
-              <a:t> (</a:t>
+              <a:t>             SCSI debug output.       (Default: disabled)</a:t>
+            </a:r>
+          </a:p>
+          <a:p>
+            <a:pPr lvl="1"/>
+            <a:r>
+              <a:rPr lang="en-US" sz="2800" dirty="0" err="1" smtClean="0">
+                <a:cs typeface="Courier New" panose="02070309020205020404" pitchFamily="49" charset="0"/>
+              </a:rPr>
+              <a:t>scsi_errors</a:t>
             </a:r>
             <a:r>
               <a:rPr lang="en-US" sz="2800" dirty="0" smtClean="0">
                 <a:cs typeface="Courier New" panose="02070309020205020404" pitchFamily="49" charset="0"/>
               </a:rPr>
-              <a:t>Default: enabled)</a:t>
+              <a:t>       SCSI error logging.        (Default: disabled)</a:t>
             </a:r>
           </a:p>
           <a:p>
@@ -18219,157 +18159,13 @@
               <a:rPr lang="en-US" sz="2800" dirty="0" err="1" smtClean="0">
                 <a:cs typeface="Courier New" panose="02070309020205020404" pitchFamily="49" charset="0"/>
               </a:rPr>
-              <a:t>scsi_info</a:t>
+              <a:t>scsi_recovery</a:t>
             </a:r>
             <a:r>
               <a:rPr lang="en-US" sz="2800" dirty="0" smtClean="0">
                 <a:cs typeface="Courier New" panose="02070309020205020404" pitchFamily="49" charset="0"/>
               </a:rPr>
-              <a:t>     </a:t>
-            </a:r>
-            <a:r>
-              <a:rPr lang="en-US" sz="2800" dirty="0" smtClean="0">
-                <a:cs typeface="Courier New" panose="02070309020205020404" pitchFamily="49" charset="0"/>
-              </a:rPr>
-              <a:t>     </a:t>
-            </a:r>
-            <a:r>
-              <a:rPr lang="en-US" sz="2800" dirty="0" smtClean="0">
-                <a:cs typeface="Courier New" panose="02070309020205020404" pitchFamily="49" charset="0"/>
-              </a:rPr>
-              <a:t>SCSI information.          (Default: enabled)</a:t>
-            </a:r>
-          </a:p>
-          <a:p>
-            <a:pPr lvl="1"/>
-            <a:r>
-              <a:rPr lang="en-US" sz="2800" dirty="0" err="1" smtClean="0">
-                <a:cs typeface="Courier New" panose="02070309020205020404" pitchFamily="49" charset="0"/>
-              </a:rPr>
-              <a:t>scsi_io</a:t>
-            </a:r>
-            <a:r>
-              <a:rPr lang="en-US" sz="2800" dirty="0" smtClean="0">
-                <a:cs typeface="Courier New" panose="02070309020205020404" pitchFamily="49" charset="0"/>
-              </a:rPr>
-              <a:t>        </a:t>
-            </a:r>
-            <a:r>
-              <a:rPr lang="en-US" sz="2800" dirty="0" smtClean="0">
-                <a:cs typeface="Courier New" panose="02070309020205020404" pitchFamily="49" charset="0"/>
-              </a:rPr>
-              <a:t>      SCSI </a:t>
-            </a:r>
-            <a:r>
-              <a:rPr lang="en-US" sz="2800" dirty="0" smtClean="0">
-                <a:cs typeface="Courier New" panose="02070309020205020404" pitchFamily="49" charset="0"/>
-              </a:rPr>
-              <a:t>I/O operations.     </a:t>
-            </a:r>
-            <a:r>
-              <a:rPr lang="en-US" sz="2800" dirty="0" smtClean="0">
-                <a:cs typeface="Courier New" panose="02070309020205020404" pitchFamily="49" charset="0"/>
-              </a:rPr>
-              <a:t>(</a:t>
-            </a:r>
-            <a:r>
-              <a:rPr lang="en-US" sz="2800" dirty="0" smtClean="0">
-                <a:cs typeface="Courier New" panose="02070309020205020404" pitchFamily="49" charset="0"/>
-              </a:rPr>
-              <a:t>Default: disabled)</a:t>
-            </a:r>
-          </a:p>
-          <a:p>
-            <a:pPr lvl="1"/>
-            <a:r>
-              <a:rPr lang="en-US" sz="2800" dirty="0" err="1" smtClean="0">
-                <a:cs typeface="Courier New" panose="02070309020205020404" pitchFamily="49" charset="0"/>
-              </a:rPr>
-              <a:t>sdebug</a:t>
-            </a:r>
-            <a:r>
-              <a:rPr lang="en-US" sz="2800" dirty="0" smtClean="0">
-                <a:cs typeface="Courier New" panose="02070309020205020404" pitchFamily="49" charset="0"/>
-              </a:rPr>
-              <a:t>         </a:t>
-            </a:r>
-            <a:r>
-              <a:rPr lang="en-US" sz="2800" dirty="0" smtClean="0">
-                <a:cs typeface="Courier New" panose="02070309020205020404" pitchFamily="49" charset="0"/>
-              </a:rPr>
-              <a:t>    SCSI </a:t>
-            </a:r>
-            <a:r>
-              <a:rPr lang="en-US" sz="2800" dirty="0" smtClean="0">
-                <a:cs typeface="Courier New" panose="02070309020205020404" pitchFamily="49" charset="0"/>
-              </a:rPr>
-              <a:t>debug output.      </a:t>
-            </a:r>
-            <a:r>
-              <a:rPr lang="en-US" sz="2800" dirty="0" smtClean="0">
-                <a:cs typeface="Courier New" panose="02070309020205020404" pitchFamily="49" charset="0"/>
-              </a:rPr>
-              <a:t> (</a:t>
-            </a:r>
-            <a:r>
-              <a:rPr lang="en-US" sz="2800" dirty="0" smtClean="0">
-                <a:cs typeface="Courier New" panose="02070309020205020404" pitchFamily="49" charset="0"/>
-              </a:rPr>
-              <a:t>Default: disabled)</a:t>
-            </a:r>
-          </a:p>
-          <a:p>
-            <a:pPr lvl="1"/>
-            <a:r>
-              <a:rPr lang="en-US" sz="2800" dirty="0" err="1" smtClean="0">
-                <a:cs typeface="Courier New" panose="02070309020205020404" pitchFamily="49" charset="0"/>
-              </a:rPr>
-              <a:t>scsi_errors</a:t>
-            </a:r>
-            <a:r>
-              <a:rPr lang="en-US" sz="2800" dirty="0" smtClean="0">
-                <a:cs typeface="Courier New" panose="02070309020205020404" pitchFamily="49" charset="0"/>
-              </a:rPr>
-              <a:t>    </a:t>
-            </a:r>
-            <a:r>
-              <a:rPr lang="en-US" sz="2800" dirty="0" smtClean="0">
-                <a:cs typeface="Courier New" panose="02070309020205020404" pitchFamily="49" charset="0"/>
-              </a:rPr>
-              <a:t>   SCSI </a:t>
-            </a:r>
-            <a:r>
-              <a:rPr lang="en-US" sz="2800" dirty="0" smtClean="0">
-                <a:cs typeface="Courier New" panose="02070309020205020404" pitchFamily="49" charset="0"/>
-              </a:rPr>
-              <a:t>error logging.        (Default: disabled)</a:t>
-            </a:r>
-          </a:p>
-          <a:p>
-            <a:pPr lvl="1"/>
-            <a:r>
-              <a:rPr lang="en-US" sz="2800" dirty="0" err="1" smtClean="0">
-                <a:cs typeface="Courier New" panose="02070309020205020404" pitchFamily="49" charset="0"/>
-              </a:rPr>
-              <a:t>scsi_recovery</a:t>
-            </a:r>
-            <a:r>
-              <a:rPr lang="en-US" sz="2800" dirty="0" smtClean="0">
-                <a:cs typeface="Courier New" panose="02070309020205020404" pitchFamily="49" charset="0"/>
-              </a:rPr>
-              <a:t>  SCSI recovery control. </a:t>
-            </a:r>
-            <a:r>
-              <a:rPr lang="en-US" sz="2800" dirty="0" smtClean="0">
-                <a:cs typeface="Courier New" panose="02070309020205020404" pitchFamily="49" charset="0"/>
-              </a:rPr>
-              <a:t> </a:t>
-            </a:r>
-            <a:r>
-              <a:rPr lang="en-US" sz="2800" dirty="0" smtClean="0">
-                <a:cs typeface="Courier New" panose="02070309020205020404" pitchFamily="49" charset="0"/>
-              </a:rPr>
-              <a:t>(Default: enabled)</a:t>
+              <a:t>  SCSI recovery control.  (Default: enabled)</a:t>
             </a:r>
           </a:p>
         </p:txBody>
@@ -18391,7 +18187,7 @@
           <a:p>
             <a:fld id="{D58D8F32-F023-408E-A2D5-FD5986FAD45B}" type="datetime1">
               <a:rPr lang="en-US" smtClean="0"/>
-              <a:t>12/21/2016</a:t>
+              <a:t>7/9/2017</a:t>
             </a:fld>
             <a:endParaRPr lang="en-US"/>
           </a:p>
@@ -18984,7 +18780,7 @@
           <a:p>
             <a:fld id="{F6590510-38E9-4A8C-9EC9-8BABEBAC9DFE}" type="datetime1">
               <a:rPr lang="en-US" smtClean="0"/>
-              <a:t>12/21/2016</a:t>
+              <a:t>7/9/2017</a:t>
             </a:fld>
             <a:endParaRPr lang="en-US"/>
           </a:p>
@@ -19348,7 +19144,7 @@
           <a:p>
             <a:fld id="{D064D085-85CC-43AC-8318-14B094573695}" type="datetime1">
               <a:rPr lang="en-US" smtClean="0"/>
-              <a:t>12/21/2016</a:t>
+              <a:t>7/9/2017</a:t>
             </a:fld>
             <a:endParaRPr lang="en-US"/>
           </a:p>
@@ -19536,8 +19332,19 @@
                 <a:latin typeface="Courier New" pitchFamily="49" charset="0"/>
                 <a:cs typeface="Courier New" pitchFamily="49" charset="0"/>
               </a:rPr>
-              <a:t> (j:1 t:1):                      Host name: RTMILLER-PC.hq.netapp.com</a:t>
-            </a:r>
+              <a:t> (j:1 t:1):                      Host name: </a:t>
+            </a:r>
+            <a:r>
+              <a:rPr lang="en-US" sz="1000" dirty="0" smtClean="0">
+                <a:latin typeface="Courier New" pitchFamily="49" charset="0"/>
+                <a:cs typeface="Courier New" pitchFamily="49" charset="0"/>
+              </a:rPr>
+              <a:t>MY-MACHINE</a:t>
+            </a:r>
+            <a:endParaRPr lang="en-US" sz="1000" dirty="0">
+              <a:latin typeface="Courier New" pitchFamily="49" charset="0"/>
+              <a:cs typeface="Courier New" pitchFamily="49" charset="0"/>
+            </a:endParaRPr>
           </a:p>
           <a:p>
             <a:pPr marL="0" indent="0">
@@ -20029,28 +19836,14 @@
                 <a:latin typeface="Courier New" pitchFamily="49" charset="0"/>
                 <a:cs typeface="Courier New" pitchFamily="49" charset="0"/>
               </a:rPr>
-              <a:t> (j:1 t:1):            Mounted from device: jade-be.rtp.netapp.com:/</a:t>
-            </a:r>
-            <a:r>
-              <a:rPr lang="en-US" sz="1000" dirty="0" err="1">
+              <a:t> (j:1 t:1):            Mounted from device: </a:t>
+            </a:r>
+            <a:r>
+              <a:rPr lang="en-US" sz="1000" dirty="0" smtClean="0">
                 <a:latin typeface="Courier New" pitchFamily="49" charset="0"/>
                 <a:cs typeface="Courier New" pitchFamily="49" charset="0"/>
               </a:rPr>
-              <a:t>vol</a:t>
-            </a:r>
-            <a:r>
-              <a:rPr lang="en-US" sz="1000" dirty="0">
-                <a:latin typeface="Courier New" pitchFamily="49" charset="0"/>
-                <a:cs typeface="Courier New" pitchFamily="49" charset="0"/>
-              </a:rPr>
-              <a:t>/users/</a:t>
-            </a:r>
-            <a:r>
-              <a:rPr lang="en-US" sz="1000" dirty="0" err="1">
-                <a:latin typeface="Courier New" pitchFamily="49" charset="0"/>
-                <a:cs typeface="Courier New" pitchFamily="49" charset="0"/>
-              </a:rPr>
-              <a:t>rtmiller</a:t>
+              <a:t>MY-HOME</a:t>
             </a:r>
             <a:endParaRPr lang="en-US" sz="1000" dirty="0">
               <a:latin typeface="Courier New" pitchFamily="49" charset="0"/>
@@ -20295,7 +20088,7 @@
           <a:p>
             <a:fld id="{BB2FF572-EE3A-431A-BE85-CFE44C7C91EE}" type="datetime1">
               <a:rPr lang="en-US" smtClean="0"/>
-              <a:t>12/21/2016</a:t>
+              <a:t>7/9/2017</a:t>
             </a:fld>
             <a:endParaRPr lang="en-US"/>
           </a:p>
@@ -20640,7 +20433,7 @@
           <a:p>
             <a:fld id="{5CE2EA73-A202-460E-826F-23A894DC043B}" type="datetime1">
               <a:rPr lang="en-US" smtClean="0"/>
-              <a:t>12/21/2016</a:t>
+              <a:t>7/9/2017</a:t>
             </a:fld>
             <a:endParaRPr lang="en-US"/>
           </a:p>
@@ -21354,7 +21147,7 @@
           <a:p>
             <a:fld id="{097860FB-23CF-46BD-916F-5991E1A25840}" type="datetime1">
               <a:rPr lang="en-US" smtClean="0"/>
-              <a:t>12/21/2016</a:t>
+              <a:t>7/9/2017</a:t>
             </a:fld>
             <a:endParaRPr lang="en-US"/>
           </a:p>
@@ -22140,7 +21933,7 @@
           <a:p>
             <a:fld id="{268E8506-910F-481C-9A80-3C0E5EC112AB}" type="datetime1">
               <a:rPr lang="en-US" smtClean="0"/>
-              <a:t>12/21/2016</a:t>
+              <a:t>7/9/2017</a:t>
             </a:fld>
             <a:endParaRPr lang="en-US"/>
           </a:p>
@@ -22862,7 +22655,7 @@
           <a:p>
             <a:fld id="{311AE0A6-75A6-4EF9-BCA7-4C2325F2D933}" type="datetime1">
               <a:rPr lang="en-US" smtClean="0"/>
-              <a:t>12/21/2016</a:t>
+              <a:t>7/9/2017</a:t>
             </a:fld>
             <a:endParaRPr lang="en-US"/>
           </a:p>
@@ -23220,7 +23013,7 @@
           <a:p>
             <a:fld id="{E3392BC1-2E64-4CD0-87C2-AA191482113E}" type="datetime1">
               <a:rPr lang="en-US" smtClean="0"/>
-              <a:t>12/21/2016</a:t>
+              <a:t>7/9/2017</a:t>
             </a:fld>
             <a:endParaRPr lang="en-US"/>
           </a:p>
@@ -23609,7 +23402,7 @@
           <a:p>
             <a:fld id="{1C19785C-973D-41C1-8DDB-708EA1B5C362}" type="datetime1">
               <a:rPr lang="en-US" smtClean="0"/>
-              <a:t>12/21/2016</a:t>
+              <a:t>7/9/2017</a:t>
             </a:fld>
             <a:endParaRPr lang="en-US"/>
           </a:p>
@@ -24122,7 +23915,7 @@
           <a:p>
             <a:fld id="{E69A6B9C-6C0F-44C5-8F91-3B92130E444F}" type="datetime1">
               <a:rPr lang="en-US" smtClean="0"/>
-              <a:t>12/21/2016</a:t>
+              <a:t>7/9/2017</a:t>
             </a:fld>
             <a:endParaRPr lang="en-US"/>
           </a:p>
@@ -24292,11 +24085,7 @@
             <a:pPr lvl="1"/>
             <a:r>
               <a:rPr lang="en-US" dirty="0" smtClean="0"/>
-              <a:t>Error Strings Accepted</a:t>
-            </a:r>
-            <a:r>
-              <a:rPr lang="en-US" dirty="0" smtClean="0"/>
-              <a:t>: (example: </a:t>
+              <a:t>Error Strings Accepted: (example: </a:t>
             </a:r>
             <a:r>
               <a:rPr lang="en-US" b="1" dirty="0" err="1" smtClean="0"/>
@@ -24310,7 +24099,6 @@
               <a:rPr lang="en-US" dirty="0" smtClean="0"/>
               <a:t>)</a:t>
             </a:r>
-            <a:endParaRPr lang="en-US" dirty="0" smtClean="0"/>
           </a:p>
           <a:p>
             <a:pPr lvl="2"/>
@@ -24551,7 +24339,7 @@
           <a:p>
             <a:fld id="{C733EC6D-FBCB-44F6-8E7D-8371D979EFAF}" type="datetime1">
               <a:rPr lang="en-US" smtClean="0"/>
-              <a:t>12/21/2016</a:t>
+              <a:t>7/9/2017</a:t>
             </a:fld>
             <a:endParaRPr lang="en-US"/>
           </a:p>
@@ -24985,7 +24773,7 @@
           <a:p>
             <a:fld id="{195C020F-7DA1-4AFC-9A9C-C2CC793F80B7}" type="datetime1">
               <a:rPr lang="en-US" smtClean="0"/>
-              <a:t>12/21/2016</a:t>
+              <a:t>7/9/2017</a:t>
             </a:fld>
             <a:endParaRPr lang="en-US"/>
           </a:p>
@@ -25348,7 +25136,7 @@
           <a:p>
             <a:fld id="{73981218-0124-4924-951C-EAC54793E98A}" type="datetime1">
               <a:rPr lang="en-US" smtClean="0"/>
-              <a:t>12/21/2016</a:t>
+              <a:t>7/9/2017</a:t>
             </a:fld>
             <a:endParaRPr lang="en-US"/>
           </a:p>
@@ -25789,7 +25577,7 @@
           <a:p>
             <a:fld id="{A217464D-FC12-4024-B629-6C048A3F10BE}" type="datetime1">
               <a:rPr lang="en-US" smtClean="0"/>
-              <a:t>12/21/2016</a:t>
+              <a:t>7/9/2017</a:t>
             </a:fld>
             <a:endParaRPr lang="en-US"/>
           </a:p>
@@ -26345,7 +26133,7 @@
           <a:p>
             <a:fld id="{70E26F49-EC21-43D0-BE97-1ABBE94ADAAB}" type="datetime1">
               <a:rPr lang="en-US" smtClean="0"/>
-              <a:t>12/21/2016</a:t>
+              <a:t>7/9/2017</a:t>
             </a:fld>
             <a:endParaRPr lang="en-US"/>
           </a:p>
@@ -26827,7 +26615,7 @@
           <a:p>
             <a:fld id="{56BAB56B-899A-48EA-B467-DC07E83466B3}" type="datetime1">
               <a:rPr lang="en-US" smtClean="0"/>
-              <a:t>12/21/2016</a:t>
+              <a:t>7/9/2017</a:t>
             </a:fld>
             <a:endParaRPr lang="en-US"/>
           </a:p>
@@ -27730,7 +27518,7 @@
           <a:p>
             <a:fld id="{6A191BB1-E858-418E-869A-E777C12065D7}" type="datetime1">
               <a:rPr lang="en-US" smtClean="0"/>
-              <a:t>12/21/2016</a:t>
+              <a:t>7/9/2017</a:t>
             </a:fld>
             <a:endParaRPr lang="en-US"/>
           </a:p>
@@ -28147,7 +27935,7 @@
           <a:p>
             <a:fld id="{DDFA564C-4687-4273-AA26-29E11CDD8F7E}" type="datetime1">
               <a:rPr lang="en-US" smtClean="0"/>
-              <a:t>12/21/2016</a:t>
+              <a:t>7/9/2017</a:t>
             </a:fld>
             <a:endParaRPr lang="en-US"/>
           </a:p>
@@ -28553,7 +28341,7 @@
           <a:p>
             <a:fld id="{BC685A96-3894-443D-AFB0-A291FCAF9E49}" type="datetime1">
               <a:rPr lang="en-US" smtClean="0"/>
-              <a:t>12/21/2016</a:t>
+              <a:t>7/9/2017</a:t>
             </a:fld>
             <a:endParaRPr lang="en-US"/>
           </a:p>
@@ -28660,7 +28448,7 @@
           <a:p>
             <a:fld id="{D3B7DF7F-6442-4286-9E36-89D447A798C7}" type="datetime1">
               <a:rPr lang="en-US" smtClean="0"/>
-              <a:t>12/21/2016</a:t>
+              <a:t>7/9/2017</a:t>
             </a:fld>
             <a:endParaRPr lang="en-US"/>
           </a:p>
@@ -29148,7 +28936,7 @@
           <a:p>
             <a:fld id="{34F09DFA-4C7C-49AF-91EB-F4B109249987}" type="datetime1">
               <a:rPr lang="en-US" smtClean="0"/>
-              <a:t>12/21/2016</a:t>
+              <a:t>7/9/2017</a:t>
             </a:fld>
             <a:endParaRPr lang="en-US"/>
           </a:p>
@@ -29689,7 +29477,7 @@
           <a:p>
             <a:fld id="{AC60C353-8676-4F9C-80FA-EDDAD3281149}" type="datetime1">
               <a:rPr lang="en-US" smtClean="0"/>
-              <a:t>12/21/2016</a:t>
+              <a:t>7/9/2017</a:t>
             </a:fld>
             <a:endParaRPr lang="en-US"/>
           </a:p>
@@ -30027,15 +29815,7 @@
             </a:pPr>
             <a:r>
               <a:rPr lang="en-US" dirty="0" smtClean="0"/>
-              <a:t>additional format control strings for </a:t>
-            </a:r>
-            <a:r>
-              <a:rPr lang="en-US" dirty="0" smtClean="0"/>
-              <a:t>SCSI </a:t>
-            </a:r>
-            <a:r>
-              <a:rPr lang="en-US" dirty="0" smtClean="0"/>
-              <a:t>and others like workload name</a:t>
+              <a:t>additional format control strings for SCSI and others like workload name</a:t>
             </a:r>
           </a:p>
           <a:p>
@@ -30060,7 +29840,7 @@
           <a:p>
             <a:fld id="{ADBFA330-3D08-40C7-810B-88E289C5E070}" type="datetime1">
               <a:rPr lang="en-US" smtClean="0"/>
-              <a:t>12/21/2016</a:t>
+              <a:t>7/9/2017</a:t>
             </a:fld>
             <a:endParaRPr lang="en-US"/>
           </a:p>
@@ -30281,26 +30061,13 @@
             </a:r>
             <a:r>
               <a:rPr lang="en-US" dirty="0" smtClean="0"/>
-              <a:t>for </a:t>
-            </a:r>
+              <a:t>for IOT pattern)</a:t>
+            </a:r>
+          </a:p>
+          <a:p>
             <a:r>
               <a:rPr lang="en-US" dirty="0" smtClean="0"/>
-              <a:t>IOT </a:t>
-            </a:r>
-            <a:r>
-              <a:rPr lang="en-US" dirty="0" smtClean="0"/>
-              <a:t>pattern)</a:t>
-            </a:r>
-            <a:endParaRPr lang="en-US" dirty="0" smtClean="0"/>
-          </a:p>
-          <a:p>
-            <a:r>
-              <a:rPr lang="en-US" dirty="0" smtClean="0"/>
-              <a:t>Block tags </a:t>
-            </a:r>
-            <a:r>
-              <a:rPr lang="en-US" dirty="0" smtClean="0"/>
-              <a:t>for </a:t>
+              <a:t>Block tags for </a:t>
             </a:r>
             <a:r>
               <a:rPr lang="en-US" dirty="0"/>
@@ -30326,7 +30093,6 @@
               <a:rPr lang="en-US" dirty="0" smtClean="0"/>
               <a:t>alidation</a:t>
             </a:r>
-            <a:endParaRPr lang="en-US" dirty="0" smtClean="0"/>
           </a:p>
           <a:p>
             <a:r>
@@ -30337,15 +30103,7 @@
           <a:p>
             <a:r>
               <a:rPr lang="en-US" dirty="0" smtClean="0"/>
-              <a:t>Been </a:t>
-            </a:r>
-            <a:r>
-              <a:rPr lang="en-US" dirty="0" smtClean="0"/>
-              <a:t>Pet </a:t>
-            </a:r>
-            <a:r>
-              <a:rPr lang="en-US" dirty="0" smtClean="0"/>
-              <a:t>Project for nearly 30 Years Now! </a:t>
+              <a:t>Been Pet Project for nearly 30 Years Now! </a:t>
             </a:r>
             <a:r>
               <a:rPr lang="en-US" dirty="0" smtClean="0">
@@ -30545,7 +30303,7 @@
           <a:p>
             <a:fld id="{1536E99E-8C93-4B57-B7DF-DB79ABB59047}" type="datetime1">
               <a:rPr lang="en-US" smtClean="0"/>
-              <a:t>12/21/2016</a:t>
+              <a:t>7/9/2017</a:t>
             </a:fld>
             <a:endParaRPr lang="en-US"/>
           </a:p>
@@ -30893,7 +30651,7 @@
           <a:p>
             <a:fld id="{04B12CE6-E69B-464E-87B3-04DD4E4C683B}" type="datetime1">
               <a:rPr lang="en-US" smtClean="0"/>
-              <a:t>12/21/2016</a:t>
+              <a:t>7/9/2017</a:t>
             </a:fld>
             <a:endParaRPr lang="en-US"/>
           </a:p>
@@ -31146,17 +30904,12 @@
             </a:r>
             <a:r>
               <a:rPr lang="en-US" dirty="0" smtClean="0"/>
-              <a:t> Source: (public</a:t>
-            </a:r>
-            <a:r>
-              <a:rPr lang="en-US" dirty="0" smtClean="0"/>
-              <a:t>) </a:t>
+              <a:t> Source: (public) </a:t>
             </a:r>
             <a:r>
               <a:rPr lang="en-US" sz="2400" dirty="0" smtClean="0"/>
               <a:t>Note: This does not include latest WIP changes!</a:t>
             </a:r>
-            <a:endParaRPr lang="en-US" sz="2400" dirty="0" smtClean="0"/>
           </a:p>
           <a:p>
             <a:pPr lvl="1"/>
@@ -31361,7 +31114,7 @@
           <a:p>
             <a:fld id="{E868DF06-FF67-4D40-B31D-974C8EEF9449}" type="datetime1">
               <a:rPr lang="en-US" smtClean="0"/>
-              <a:t>12/21/2016</a:t>
+              <a:t>7/9/2017</a:t>
             </a:fld>
             <a:endParaRPr lang="en-US"/>
           </a:p>
@@ -31446,7 +31199,6 @@
               <a:rPr lang="en-US" dirty="0"/>
               <a:t>Key DT Features</a:t>
             </a:r>
-            <a:endParaRPr lang="en-US" dirty="0"/>
           </a:p>
         </p:txBody>
       </p:sp>
@@ -31474,11 +31226,7 @@
           <a:p>
             <a:r>
               <a:rPr lang="en-US" dirty="0" smtClean="0"/>
-              <a:t>Script </a:t>
-            </a:r>
-            <a:r>
-              <a:rPr lang="en-US" dirty="0" smtClean="0"/>
-              <a:t>/ Startup Files</a:t>
+              <a:t>Script / Startup Files</a:t>
             </a:r>
           </a:p>
           <a:p>
@@ -31498,7 +31246,6 @@
               <a:rPr lang="en-US" dirty="0" smtClean="0"/>
               <a:t>Multiple Log Files</a:t>
             </a:r>
-            <a:endParaRPr lang="en-US" dirty="0" smtClean="0"/>
           </a:p>
           <a:p>
             <a:r>
@@ -31614,7 +31361,7 @@
           <a:p>
             <a:fld id="{6729F8F8-E9D3-4D73-9366-762F8E7B80C0}" type="datetime1">
               <a:rPr lang="en-US" smtClean="0"/>
-              <a:t>12/21/2016</a:t>
+              <a:t>7/9/2017</a:t>
             </a:fld>
             <a:endParaRPr lang="en-US"/>
           </a:p>
@@ -32054,7 +31801,7 @@
           <a:p>
             <a:fld id="{00706233-D267-4D6F-B58D-CF1C09D0ED0D}" type="datetime1">
               <a:rPr lang="en-US" smtClean="0"/>
-              <a:t>12/21/2016</a:t>
+              <a:t>7/9/2017</a:t>
             </a:fld>
             <a:endParaRPr lang="en-US"/>
           </a:p>
@@ -32190,19 +31937,7 @@
             <a:pPr lvl="1"/>
             <a:r>
               <a:rPr lang="en-US" dirty="0" smtClean="0"/>
-              <a:t>Data </a:t>
-            </a:r>
-            <a:r>
-              <a:rPr lang="en-US" dirty="0" smtClean="0"/>
-              <a:t>Validation </a:t>
-            </a:r>
-            <a:r>
-              <a:rPr lang="en-US" dirty="0" smtClean="0"/>
-              <a:t>(should be important, </a:t>
-            </a:r>
-            <a:r>
-              <a:rPr lang="en-US" dirty="0" smtClean="0"/>
-              <a:t>IMO)</a:t>
+              <a:t>Data Validation (should be important, IMO)</a:t>
             </a:r>
           </a:p>
           <a:p>
@@ -32219,7 +31954,6 @@
               <a:rPr lang="en-US" dirty="0" smtClean="0"/>
               <a:t>)</a:t>
             </a:r>
-            <a:endParaRPr lang="en-US" dirty="0" smtClean="0"/>
           </a:p>
           <a:p>
             <a:pPr lvl="1"/>
@@ -32239,23 +31973,7 @@
             <a:pPr lvl="1"/>
             <a:r>
               <a:rPr lang="en-US" dirty="0" smtClean="0"/>
-              <a:t>File System </a:t>
-            </a:r>
-            <a:r>
-              <a:rPr lang="en-US" dirty="0" smtClean="0"/>
-              <a:t>Operations </a:t>
-            </a:r>
-            <a:r>
-              <a:rPr lang="en-US" dirty="0" smtClean="0"/>
-              <a:t>(File Locking</a:t>
-            </a:r>
-            <a:r>
-              <a:rPr lang="en-US" dirty="0" smtClean="0"/>
-              <a:t>,</a:t>
-            </a:r>
-            <a:r>
-              <a:rPr lang="en-US" dirty="0" smtClean="0"/>
-              <a:t> </a:t>
+              <a:t>File System Operations (File Locking, </a:t>
             </a:r>
             <a:r>
               <a:rPr lang="en-US" dirty="0" err="1" smtClean="0"/>
@@ -32270,11 +31988,7 @@
             <a:pPr lvl="1"/>
             <a:r>
               <a:rPr lang="en-US" dirty="0" smtClean="0"/>
-              <a:t>Scale Out to many Disks and/or </a:t>
-            </a:r>
-            <a:r>
-              <a:rPr lang="en-US" dirty="0" smtClean="0"/>
-              <a:t>Volumes</a:t>
+              <a:t>Scale Out to many Disks and/or Volumes</a:t>
             </a:r>
           </a:p>
           <a:p>
@@ -32497,7 +32211,7 @@
           <a:p>
             <a:fld id="{2748F120-7E41-4306-93F1-77548F86544C}" type="datetime1">
               <a:rPr lang="en-US" smtClean="0"/>
-              <a:t>12/21/2016</a:t>
+              <a:t>7/9/2017</a:t>
             </a:fld>
             <a:endParaRPr lang="en-US"/>
           </a:p>
@@ -32612,15 +32326,7 @@
           <a:p>
             <a:r>
               <a:rPr lang="en-US" dirty="0" smtClean="0"/>
-              <a:t>Easy To Use… </a:t>
-            </a:r>
-            <a:r>
-              <a:rPr lang="en-US" dirty="0" smtClean="0"/>
-              <a:t>well</a:t>
-            </a:r>
-            <a:r>
-              <a:rPr lang="en-US" dirty="0" smtClean="0"/>
-              <a:t>, Robin thinks so! </a:t>
+              <a:t>Easy To Use… well, Robin thinks so! </a:t>
             </a:r>
             <a:r>
               <a:rPr lang="en-US" dirty="0" smtClean="0">
@@ -32633,25 +32339,13 @@
           <a:p>
             <a:r>
               <a:rPr lang="en-US" dirty="0" smtClean="0"/>
-              <a:t>File System and </a:t>
-            </a:r>
+              <a:t>File System and Direct Disk Support</a:t>
+            </a:r>
+          </a:p>
+          <a:p>
             <a:r>
               <a:rPr lang="en-US" dirty="0" smtClean="0"/>
-              <a:t>Direct </a:t>
-            </a:r>
-            <a:r>
-              <a:rPr lang="en-US" dirty="0" smtClean="0"/>
-              <a:t>Disk Support</a:t>
-            </a:r>
-          </a:p>
-          <a:p>
-            <a:r>
-              <a:rPr lang="en-US" dirty="0" smtClean="0"/>
-              <a:t>I/O Monitoring for </a:t>
-            </a:r>
-            <a:r>
-              <a:rPr lang="en-US" dirty="0" smtClean="0"/>
-              <a:t>SLA Requirements</a:t>
+              <a:t>I/O Monitoring for SLA Requirements</a:t>
             </a:r>
           </a:p>
           <a:p>
@@ -32676,21 +32370,13 @@
           <a:p>
             <a:r>
               <a:rPr lang="en-US" dirty="0" smtClean="0"/>
-              <a:t>Extensive </a:t>
-            </a:r>
+              <a:t>Extensive Documentation &amp; User Community</a:t>
+            </a:r>
+          </a:p>
+          <a:p>
             <a:r>
               <a:rPr lang="en-US" dirty="0" smtClean="0"/>
-              <a:t>Documentation &amp; User Community</a:t>
-            </a:r>
-          </a:p>
-          <a:p>
-            <a:r>
-              <a:rPr lang="en-US" dirty="0" smtClean="0"/>
-              <a:t>Maintained </a:t>
-            </a:r>
-            <a:r>
-              <a:rPr lang="en-US" dirty="0" smtClean="0"/>
-              <a:t>and Supported, Why Important?</a:t>
+              <a:t>Maintained and Supported, Why Important?</a:t>
             </a:r>
           </a:p>
           <a:p>
@@ -32698,7 +32384,6 @@
               <a:rPr lang="en-US" dirty="0" smtClean="0"/>
               <a:t>SCSI Information, I/O and error reporting</a:t>
             </a:r>
-            <a:endParaRPr lang="en-US" dirty="0" smtClean="0"/>
           </a:p>
           <a:p>
             <a:r>
@@ -32904,7 +32589,7 @@
           <a:p>
             <a:fld id="{6EDA237F-AC11-49A5-9410-CF978D183CFA}" type="datetime1">
               <a:rPr lang="en-US" smtClean="0"/>
-              <a:t>12/21/2016</a:t>
+              <a:t>7/9/2017</a:t>
             </a:fld>
             <a:endParaRPr lang="en-US"/>
           </a:p>
